--- a/Class 4/Operator.pptx
+++ b/Class 4/Operator.pptx
@@ -261,7 +261,7 @@
           <a:p>
             <a:fld id="{24F91E41-DD5D-4B8B-9AF5-E61763FD7452}" type="datetimeFigureOut">
               <a:rPr lang="en-US" smtClean="0"/>
-              <a:t>22-Apr-24</a:t>
+              <a:t>24-Apr-24</a:t>
             </a:fld>
             <a:endParaRPr lang="en-US"/>
           </a:p>
@@ -459,7 +459,7 @@
           <a:p>
             <a:fld id="{24F91E41-DD5D-4B8B-9AF5-E61763FD7452}" type="datetimeFigureOut">
               <a:rPr lang="en-US" smtClean="0"/>
-              <a:t>22-Apr-24</a:t>
+              <a:t>24-Apr-24</a:t>
             </a:fld>
             <a:endParaRPr lang="en-US"/>
           </a:p>
@@ -667,7 +667,7 @@
           <a:p>
             <a:fld id="{24F91E41-DD5D-4B8B-9AF5-E61763FD7452}" type="datetimeFigureOut">
               <a:rPr lang="en-US" smtClean="0"/>
-              <a:t>22-Apr-24</a:t>
+              <a:t>24-Apr-24</a:t>
             </a:fld>
             <a:endParaRPr lang="en-US"/>
           </a:p>
@@ -865,7 +865,7 @@
           <a:p>
             <a:fld id="{24F91E41-DD5D-4B8B-9AF5-E61763FD7452}" type="datetimeFigureOut">
               <a:rPr lang="en-US" smtClean="0"/>
-              <a:t>22-Apr-24</a:t>
+              <a:t>24-Apr-24</a:t>
             </a:fld>
             <a:endParaRPr lang="en-US"/>
           </a:p>
@@ -1140,7 +1140,7 @@
           <a:p>
             <a:fld id="{24F91E41-DD5D-4B8B-9AF5-E61763FD7452}" type="datetimeFigureOut">
               <a:rPr lang="en-US" smtClean="0"/>
-              <a:t>22-Apr-24</a:t>
+              <a:t>24-Apr-24</a:t>
             </a:fld>
             <a:endParaRPr lang="en-US"/>
           </a:p>
@@ -1405,7 +1405,7 @@
           <a:p>
             <a:fld id="{24F91E41-DD5D-4B8B-9AF5-E61763FD7452}" type="datetimeFigureOut">
               <a:rPr lang="en-US" smtClean="0"/>
-              <a:t>22-Apr-24</a:t>
+              <a:t>24-Apr-24</a:t>
             </a:fld>
             <a:endParaRPr lang="en-US"/>
           </a:p>
@@ -1817,7 +1817,7 @@
           <a:p>
             <a:fld id="{24F91E41-DD5D-4B8B-9AF5-E61763FD7452}" type="datetimeFigureOut">
               <a:rPr lang="en-US" smtClean="0"/>
-              <a:t>22-Apr-24</a:t>
+              <a:t>24-Apr-24</a:t>
             </a:fld>
             <a:endParaRPr lang="en-US"/>
           </a:p>
@@ -1958,7 +1958,7 @@
           <a:p>
             <a:fld id="{24F91E41-DD5D-4B8B-9AF5-E61763FD7452}" type="datetimeFigureOut">
               <a:rPr lang="en-US" smtClean="0"/>
-              <a:t>22-Apr-24</a:t>
+              <a:t>24-Apr-24</a:t>
             </a:fld>
             <a:endParaRPr lang="en-US"/>
           </a:p>
@@ -2071,7 +2071,7 @@
           <a:p>
             <a:fld id="{24F91E41-DD5D-4B8B-9AF5-E61763FD7452}" type="datetimeFigureOut">
               <a:rPr lang="en-US" smtClean="0"/>
-              <a:t>22-Apr-24</a:t>
+              <a:t>24-Apr-24</a:t>
             </a:fld>
             <a:endParaRPr lang="en-US"/>
           </a:p>
@@ -2382,7 +2382,7 @@
           <a:p>
             <a:fld id="{24F91E41-DD5D-4B8B-9AF5-E61763FD7452}" type="datetimeFigureOut">
               <a:rPr lang="en-US" smtClean="0"/>
-              <a:t>22-Apr-24</a:t>
+              <a:t>24-Apr-24</a:t>
             </a:fld>
             <a:endParaRPr lang="en-US"/>
           </a:p>
@@ -2670,7 +2670,7 @@
           <a:p>
             <a:fld id="{24F91E41-DD5D-4B8B-9AF5-E61763FD7452}" type="datetimeFigureOut">
               <a:rPr lang="en-US" smtClean="0"/>
-              <a:t>22-Apr-24</a:t>
+              <a:t>24-Apr-24</a:t>
             </a:fld>
             <a:endParaRPr lang="en-US"/>
           </a:p>
@@ -2911,7 +2911,7 @@
           <a:p>
             <a:fld id="{24F91E41-DD5D-4B8B-9AF5-E61763FD7452}" type="datetimeFigureOut">
               <a:rPr lang="en-US" smtClean="0"/>
-              <a:t>22-Apr-24</a:t>
+              <a:t>24-Apr-24</a:t>
             </a:fld>
             <a:endParaRPr lang="en-US"/>
           </a:p>
@@ -3355,23 +3355,10 @@
           <a:lstStyle/>
           <a:p>
             <a:r>
-              <a:rPr lang="en-US" dirty="0"/>
+              <a:rPr lang="en-US"/>
               <a:t>Operators</a:t>
             </a:r>
-            <a:br>
-              <a:rPr lang="en-US" dirty="0"/>
-            </a:br>
-            <a:r>
-              <a:rPr lang="en-US" dirty="0"/>
-              <a:t>&amp;</a:t>
-            </a:r>
-            <a:br>
-              <a:rPr lang="en-US" dirty="0"/>
-            </a:br>
-            <a:r>
-              <a:rPr lang="en-US" dirty="0"/>
-              <a:t>Conditional Statements</a:t>
-            </a:r>
+            <a:endParaRPr lang="en-US" dirty="0"/>
           </a:p>
         </p:txBody>
       </p:sp>
